--- a/files/heros-journey-hunger-games/hunger-games.pptx
+++ b/files/heros-journey-hunger-games/hunger-games.pptx
@@ -6629,7 +6629,7 @@
             </a:pPr>
             <a:r>
               <a:rPr lang="en" sz="2000"/>
-              <a:t>Katniss lives in District 12, where hunger and survival dominate everyday life. She hunts illegally to provide for her family, showing she’s already brave and used to taking risks. Her bond with Prim is strong—this emotional connection becomes her motivation throughout the journey.</a:t>
+              <a:t>Katniss lives in District 12, where hunger and survival dominate everyday life. She hunts illegally to provide for her family, showing she’s already brave and used to taking risks. Her bond with Prim is great. This emotional connection becomes her motivation throughout the “games”.</a:t>
             </a:r>
             <a:endParaRPr sz="2000"/>
           </a:p>
@@ -7094,7 +7094,7 @@
             </a:pPr>
             <a:r>
               <a:rPr lang="en" sz="2000"/>
-              <a:t>Katniss brings back something more valuable than victory; hope. She didn’t just survive; she showed the Capitol can be challenged. That’s the real “elixir” she brings to her people.</a:t>
+              <a:t>Katniss brings back something more valuable than victory: hope. She didn’t just survive; she showed the Capitol can be challenged. That’s the real “elixir” she brings to district 12.</a:t>
             </a:r>
             <a:endParaRPr sz="2000"/>
           </a:p>
@@ -7927,7 +7927,7 @@
             </a:pPr>
             <a:r>
               <a:rPr lang="en" sz="2000"/>
-              <a:t>After Rue’s death, Katniss becomes emotionally dull. She sings to Rue and buries her with flowers, an act of rebellion. This shows that even in the Capitol’s game, she refuses to lose her humanity.</a:t>
+              <a:t>After Rue’s death, Katniss becomes emotionally dull. She sings to Rue and buries her with flowers, an act of rebellion. This shows that even in the Capitol’s game, she refuses to lose her morality.</a:t>
             </a:r>
             <a:endParaRPr sz="2000"/>
           </a:p>
@@ -8067,23 +8067,11 @@
             </a:pPr>
             <a:r>
               <a:rPr lang="en" sz="2000"/>
-              <a:t>The rule change allows two tributes from the same district to win. Katniss finds Peeta and nurses him back to health. She must decide: is her kindness real, or a strategy? This is her inner conflict.</a:t>
+              <a:t>The rule change allows two tributes from the same district to win. Katniss finds Peeta and nurses him back to health.</a:t>
             </a:r>
-            <a:endParaRPr sz="2000"/>
-          </a:p>
-          <a:p>
-            <a:pPr indent="0" lvl="0" marL="0" rtl="0" algn="l">
-              <a:spcBef>
-                <a:spcPts val="0"/>
-              </a:spcBef>
-              <a:spcAft>
-                <a:spcPts val="0"/>
-              </a:spcAft>
-              <a:buNone/>
-            </a:pPr>
             <a:r>
               <a:rPr lang="en" sz="2000"/>
-              <a:t>Image: Katniss feeding Peeta or in the cave scene.</a:t>
+              <a:t> She must decide if her kindness is real, or just a strategy?</a:t>
             </a:r>
             <a:endParaRPr sz="2000"/>
           </a:p>
@@ -8227,7 +8215,7 @@
             </a:pPr>
             <a:r>
               <a:rPr lang="en" sz="2000"/>
-              <a:t>Katniss and Peeta win, but it’s not over. When the Capitol tries to change the rules again, Katniss pulls out the berries. She chooses death over being played with by the Capitol. This moment gives her real power.</a:t>
+              <a:t>Katniss and Peeta win, but it’s not over. When the Capitol tries to change the rules again, Katniss pulls out the berries. She chooses death over being played with by the Capitol. This moment gives her power.</a:t>
             </a:r>
             <a:endParaRPr sz="2000"/>
           </a:p>
